--- a/presentation.pptx
+++ b/presentation.pptx
@@ -15,33 +15,32 @@
     <p:sldId id="263" r:id="rId10"/>
     <p:sldId id="264" r:id="rId11"/>
     <p:sldId id="265" r:id="rId12"/>
-    <p:sldId id="266" r:id="rId13"/>
   </p:sldIdLst>
   <p:sldSz cx="18288000" cy="10287000"/>
   <p:notesSz cx="6858000" cy="9144000"/>
   <p:embeddedFontLst>
     <p:embeddedFont>
       <p:font typeface="Open Sans Light Bold" panose="020B0806030504020204"/>
+      <p:bold r:id="rId16"/>
+    </p:embeddedFont>
+    <p:embeddedFont>
+      <p:font typeface="Open Sans Extra Bold" panose="020B0906030804020204"/>
       <p:bold r:id="rId17"/>
     </p:embeddedFont>
     <p:embeddedFont>
-      <p:font typeface="Open Sans Extra Bold" panose="020B0906030804020204"/>
-      <p:bold r:id="rId18"/>
+      <p:font typeface="Open Sans Light" panose="020B0306030504020204"/>
+      <p:regular r:id="rId18"/>
     </p:embeddedFont>
     <p:embeddedFont>
-      <p:font typeface="Open Sans Light" panose="020B0306030504020204"/>
+      <p:font typeface="Open Sans" panose="020B0606030504020204"/>
       <p:regular r:id="rId19"/>
     </p:embeddedFont>
     <p:embeddedFont>
-      <p:font typeface="Open Sans" panose="020B0606030504020204"/>
+      <p:font typeface="Calibri" panose="020F0502020204030204" charset="0"/>
       <p:regular r:id="rId20"/>
-    </p:embeddedFont>
-    <p:embeddedFont>
-      <p:font typeface="Calibri" panose="020F0502020204030204" charset="0"/>
-      <p:regular r:id="rId21"/>
-      <p:bold r:id="rId22"/>
-      <p:italic r:id="rId23"/>
-      <p:boldItalic r:id="rId24"/>
+      <p:bold r:id="rId21"/>
+      <p:italic r:id="rId22"/>
+      <p:boldItalic r:id="rId23"/>
     </p:embeddedFont>
   </p:embeddedFontLst>
   <p:defaultTextStyle>
@@ -4123,555 +4122,6 @@
 </p:sld>
 </file>
 
-<file path=ppt/slides/slide11.xml><?xml version="1.0" encoding="utf-8"?>
-<p:sld xmlns:a="http://schemas.openxmlformats.org/drawingml/2006/main" xmlns:r="http://schemas.openxmlformats.org/officeDocument/2006/relationships" xmlns:p="http://schemas.openxmlformats.org/presentationml/2006/main">
-  <p:cSld>
-    <p:bg>
-      <p:bgPr>
-        <a:solidFill>
-          <a:srgbClr val="66CDF5"/>
-        </a:solidFill>
-        <a:effectLst/>
-      </p:bgPr>
-    </p:bg>
-    <p:spTree>
-      <p:nvGrpSpPr>
-        <p:cNvPr id="1" name=""/>
-        <p:cNvGrpSpPr/>
-        <p:nvPr/>
-      </p:nvGrpSpPr>
-      <p:grpSpPr>
-        <a:xfrm>
-          <a:off x="0" y="0"/>
-          <a:ext cx="0" cy="0"/>
-          <a:chOff x="0" y="0"/>
-          <a:chExt cx="0" cy="0"/>
-        </a:xfrm>
-      </p:grpSpPr>
-      <p:pic>
-        <p:nvPicPr>
-          <p:cNvPr id="14" name="Picture 2"/>
-          <p:cNvPicPr>
-            <a:picLocks noChangeAspect="1"/>
-          </p:cNvPicPr>
-          <p:nvPr/>
-        </p:nvPicPr>
-        <p:blipFill>
-          <a:blip r:embed="rId1">
-            <a:extLst>
-              <a:ext uri="{28A0092B-C50C-407E-A947-70E740481C1C}">
-                <a14:useLocalDpi xmlns:a14="http://schemas.microsoft.com/office/drawing/2010/main" val="0"/>
-              </a:ext>
-              <a:ext uri="{96DAC541-7B7A-43D3-8B79-37D633B846F1}">
-                <asvg:svgBlip xmlns:asvg="http://schemas.microsoft.com/office/drawing/2016/SVG/main" r:embed="rId2"/>
-              </a:ext>
-            </a:extLst>
-          </a:blip>
-          <a:srcRect/>
-          <a:stretch>
-            <a:fillRect/>
-          </a:stretch>
-        </p:blipFill>
-        <p:spPr>
-          <a:xfrm>
-            <a:off x="11912600" y="5295686"/>
-            <a:ext cx="3934778" cy="4114800"/>
-          </a:xfrm>
-          <a:prstGeom prst="rect">
-            <a:avLst/>
-          </a:prstGeom>
-        </p:spPr>
-      </p:pic>
-      <p:pic>
-        <p:nvPicPr>
-          <p:cNvPr id="2" name="Picture 2"/>
-          <p:cNvPicPr>
-            <a:picLocks noChangeAspect="1"/>
-          </p:cNvPicPr>
-          <p:nvPr/>
-        </p:nvPicPr>
-        <p:blipFill>
-          <a:blip r:embed="rId1">
-            <a:extLst>
-              <a:ext uri="{28A0092B-C50C-407E-A947-70E740481C1C}">
-                <a14:useLocalDpi xmlns:a14="http://schemas.microsoft.com/office/drawing/2010/main" val="0"/>
-              </a:ext>
-              <a:ext uri="{96DAC541-7B7A-43D3-8B79-37D633B846F1}">
-                <asvg:svgBlip xmlns:asvg="http://schemas.microsoft.com/office/drawing/2016/SVG/main" r:embed="rId2"/>
-              </a:ext>
-            </a:extLst>
-          </a:blip>
-          <a:srcRect/>
-          <a:stretch>
-            <a:fillRect/>
-          </a:stretch>
-        </p:blipFill>
-        <p:spPr>
-          <a:xfrm>
-            <a:off x="6705600" y="3949486"/>
-            <a:ext cx="3934778" cy="4114800"/>
-          </a:xfrm>
-          <a:prstGeom prst="rect">
-            <a:avLst/>
-          </a:prstGeom>
-        </p:spPr>
-      </p:pic>
-      <p:sp>
-        <p:nvSpPr>
-          <p:cNvPr id="3" name="TextBox 3"/>
-          <p:cNvSpPr txBox="1"/>
-          <p:nvPr/>
-        </p:nvSpPr>
-        <p:spPr>
-          <a:xfrm>
-            <a:off x="6868001" y="-161925"/>
-            <a:ext cx="4551997" cy="1533525"/>
-          </a:xfrm>
-          <a:prstGeom prst="rect">
-            <a:avLst/>
-          </a:prstGeom>
-        </p:spPr>
-        <p:txBody>
-          <a:bodyPr lIns="0" tIns="0" rIns="0" bIns="0" rtlCol="0" anchor="t">
-            <a:spAutoFit/>
-          </a:bodyPr>
-          <a:lstStyle/>
-          <a:p>
-            <a:pPr algn="ctr">
-              <a:lnSpc>
-                <a:spcPts val="12600"/>
-              </a:lnSpc>
-            </a:pPr>
-            <a:r>
-              <a:rPr lang="en-US" sz="9000">
-                <a:solidFill>
-                  <a:srgbClr val="FFFFFF"/>
-                </a:solidFill>
-                <a:latin typeface="Open Sans Extra Bold" panose="020B0906030804020204"/>
-              </a:rPr>
-              <a:t>Анализ</a:t>
-            </a:r>
-            <a:endParaRPr lang="en-US" sz="9000">
-              <a:solidFill>
-                <a:srgbClr val="FFFFFF"/>
-              </a:solidFill>
-              <a:latin typeface="Open Sans Extra Bold" panose="020B0906030804020204"/>
-            </a:endParaRPr>
-          </a:p>
-        </p:txBody>
-      </p:sp>
-      <p:sp>
-        <p:nvSpPr>
-          <p:cNvPr id="4" name="TextBox 4"/>
-          <p:cNvSpPr txBox="1"/>
-          <p:nvPr/>
-        </p:nvSpPr>
-        <p:spPr>
-          <a:xfrm>
-            <a:off x="6233696" y="1295400"/>
-            <a:ext cx="5820609" cy="752476"/>
-          </a:xfrm>
-          <a:prstGeom prst="rect">
-            <a:avLst/>
-          </a:prstGeom>
-        </p:spPr>
-        <p:txBody>
-          <a:bodyPr lIns="0" tIns="0" rIns="0" bIns="0" rtlCol="0" anchor="t">
-            <a:spAutoFit/>
-          </a:bodyPr>
-          <a:lstStyle/>
-          <a:p>
-            <a:pPr algn="ctr">
-              <a:lnSpc>
-                <a:spcPts val="6300"/>
-              </a:lnSpc>
-            </a:pPr>
-            <a:r>
-              <a:rPr lang="en-US" sz="4500">
-                <a:solidFill>
-                  <a:srgbClr val="FFFFFF"/>
-                </a:solidFill>
-                <a:latin typeface="Open Sans Light" panose="020B0306030504020204"/>
-              </a:rPr>
-              <a:t>Проделанной работы</a:t>
-            </a:r>
-            <a:endParaRPr lang="en-US" sz="4500">
-              <a:solidFill>
-                <a:srgbClr val="FFFFFF"/>
-              </a:solidFill>
-              <a:latin typeface="Open Sans Light" panose="020B0306030504020204"/>
-            </a:endParaRPr>
-          </a:p>
-        </p:txBody>
-      </p:sp>
-      <p:grpSp>
-        <p:nvGrpSpPr>
-          <p:cNvPr id="5" name="Group 5"/>
-          <p:cNvGrpSpPr/>
-          <p:nvPr/>
-        </p:nvGrpSpPr>
-        <p:grpSpPr>
-          <a:xfrm rot="0">
-            <a:off x="16279216" y="9258300"/>
-            <a:ext cx="1830230" cy="858081"/>
-            <a:chOff x="0" y="0"/>
-            <a:chExt cx="2440306" cy="1144108"/>
-          </a:xfrm>
-        </p:grpSpPr>
-        <p:grpSp>
-          <p:nvGrpSpPr>
-            <p:cNvPr id="6" name="Group 6"/>
-            <p:cNvGrpSpPr/>
-            <p:nvPr/>
-          </p:nvGrpSpPr>
-          <p:grpSpPr>
-            <a:xfrm rot="0">
-              <a:off x="0" y="0"/>
-              <a:ext cx="2440306" cy="1144108"/>
-              <a:chOff x="0" y="0"/>
-              <a:chExt cx="933897" cy="406400"/>
-            </a:xfrm>
-          </p:grpSpPr>
-          <p:sp>
-            <p:nvSpPr>
-              <p:cNvPr id="7" name="Freeform 7"/>
-              <p:cNvSpPr/>
-              <p:nvPr/>
-            </p:nvSpPr>
-            <p:spPr>
-              <a:xfrm>
-                <a:off x="17780" y="22860"/>
-                <a:ext cx="908497" cy="360680"/>
-              </a:xfrm>
-              <a:custGeom>
-                <a:avLst/>
-                <a:gdLst/>
-                <a:ahLst/>
-                <a:cxnLst/>
-                <a:rect l="l" t="t" r="r" b="b"/>
-                <a:pathLst>
-                  <a:path w="908497" h="360680">
-                    <a:moveTo>
-                      <a:pt x="908497" y="180340"/>
-                    </a:moveTo>
-                    <a:cubicBezTo>
-                      <a:pt x="908497" y="81280"/>
-                      <a:pt x="828487" y="0"/>
-                      <a:pt x="728157" y="0"/>
-                    </a:cubicBezTo>
-                    <a:lnTo>
-                      <a:pt x="172720" y="0"/>
-                    </a:lnTo>
-                    <a:lnTo>
-                      <a:pt x="172720" y="1270"/>
-                    </a:lnTo>
-                    <a:cubicBezTo>
-                      <a:pt x="76200" y="5080"/>
-                      <a:pt x="0" y="83820"/>
-                      <a:pt x="0" y="180340"/>
-                    </a:cubicBezTo>
-                    <a:cubicBezTo>
-                      <a:pt x="0" y="276860"/>
-                      <a:pt x="77470" y="355600"/>
-                      <a:pt x="172720" y="359410"/>
-                    </a:cubicBezTo>
-                    <a:lnTo>
-                      <a:pt x="172720" y="360680"/>
-                    </a:lnTo>
-                    <a:lnTo>
-                      <a:pt x="728157" y="360680"/>
-                    </a:lnTo>
-                    <a:cubicBezTo>
-                      <a:pt x="827217" y="360680"/>
-                      <a:pt x="908497" y="279400"/>
-                      <a:pt x="908497" y="180340"/>
-                    </a:cubicBezTo>
-                    <a:close/>
-                  </a:path>
-                </a:pathLst>
-              </a:custGeom>
-              <a:solidFill>
-                <a:srgbClr val="4BD600"/>
-              </a:solidFill>
-            </p:spPr>
-          </p:sp>
-        </p:grpSp>
-        <p:grpSp>
-          <p:nvGrpSpPr>
-            <p:cNvPr id="8" name="Group 8"/>
-            <p:cNvGrpSpPr/>
-            <p:nvPr/>
-          </p:nvGrpSpPr>
-          <p:grpSpPr>
-            <a:xfrm rot="0">
-              <a:off x="764557" y="409093"/>
-              <a:ext cx="911193" cy="325922"/>
-              <a:chOff x="0" y="0"/>
-              <a:chExt cx="1200098" cy="429260"/>
-            </a:xfrm>
-          </p:grpSpPr>
-          <p:sp>
-            <p:nvSpPr>
-              <p:cNvPr id="9" name="Freeform 9"/>
-              <p:cNvSpPr/>
-              <p:nvPr/>
-            </p:nvSpPr>
-            <p:spPr>
-              <a:xfrm>
-                <a:off x="0" y="-5080"/>
-                <a:ext cx="1200099" cy="434340"/>
-              </a:xfrm>
-              <a:custGeom>
-                <a:avLst/>
-                <a:gdLst/>
-                <a:ahLst/>
-                <a:cxnLst/>
-                <a:rect l="l" t="t" r="r" b="b"/>
-                <a:pathLst>
-                  <a:path w="1200099" h="434340">
-                    <a:moveTo>
-                      <a:pt x="1182319" y="187960"/>
-                    </a:moveTo>
-                    <a:lnTo>
-                      <a:pt x="920698" y="11430"/>
-                    </a:lnTo>
-                    <a:cubicBezTo>
-                      <a:pt x="902918" y="0"/>
-                      <a:pt x="880058" y="3810"/>
-                      <a:pt x="867358" y="21590"/>
-                    </a:cubicBezTo>
-                    <a:cubicBezTo>
-                      <a:pt x="855928" y="39370"/>
-                      <a:pt x="859738" y="62230"/>
-                      <a:pt x="877518" y="74930"/>
-                    </a:cubicBezTo>
-                    <a:lnTo>
-                      <a:pt x="1036268" y="181610"/>
-                    </a:lnTo>
-                    <a:lnTo>
-                      <a:pt x="0" y="181610"/>
-                    </a:lnTo>
-                    <a:lnTo>
-                      <a:pt x="0" y="257810"/>
-                    </a:lnTo>
-                    <a:lnTo>
-                      <a:pt x="1036269" y="257810"/>
-                    </a:lnTo>
-                    <a:lnTo>
-                      <a:pt x="877519" y="364490"/>
-                    </a:lnTo>
-                    <a:cubicBezTo>
-                      <a:pt x="859739" y="375920"/>
-                      <a:pt x="855928" y="400050"/>
-                      <a:pt x="867358" y="417830"/>
-                    </a:cubicBezTo>
-                    <a:cubicBezTo>
-                      <a:pt x="874978" y="429260"/>
-                      <a:pt x="886408" y="434340"/>
-                      <a:pt x="899108" y="434340"/>
-                    </a:cubicBezTo>
-                    <a:cubicBezTo>
-                      <a:pt x="906728" y="434340"/>
-                      <a:pt x="914349" y="431800"/>
-                      <a:pt x="920699" y="427990"/>
-                    </a:cubicBezTo>
-                    <a:lnTo>
-                      <a:pt x="1183589" y="251460"/>
-                    </a:lnTo>
-                    <a:cubicBezTo>
-                      <a:pt x="1193749" y="243840"/>
-                      <a:pt x="1200099" y="232410"/>
-                      <a:pt x="1200099" y="219710"/>
-                    </a:cubicBezTo>
-                    <a:cubicBezTo>
-                      <a:pt x="1200099" y="207010"/>
-                      <a:pt x="1193749" y="195580"/>
-                      <a:pt x="1182319" y="187960"/>
-                    </a:cubicBezTo>
-                    <a:close/>
-                  </a:path>
-                </a:pathLst>
-              </a:custGeom>
-              <a:solidFill>
-                <a:srgbClr val="FDDD0F"/>
-              </a:solidFill>
-            </p:spPr>
-          </p:sp>
-        </p:grpSp>
-      </p:grpSp>
-      <p:sp>
-        <p:nvSpPr>
-          <p:cNvPr id="10" name="TextBox 10"/>
-          <p:cNvSpPr txBox="1"/>
-          <p:nvPr/>
-        </p:nvSpPr>
-        <p:spPr>
-          <a:xfrm>
-            <a:off x="12080255" y="6743769"/>
-            <a:ext cx="3600737" cy="1116965"/>
-          </a:xfrm>
-          <a:prstGeom prst="rect">
-            <a:avLst/>
-          </a:prstGeom>
-        </p:spPr>
-        <p:txBody>
-          <a:bodyPr lIns="0" tIns="0" rIns="0" bIns="0" rtlCol="0" anchor="t">
-            <a:spAutoFit/>
-          </a:bodyPr>
-          <a:lstStyle/>
-          <a:p>
-            <a:pPr algn="ctr">
-              <a:lnSpc>
-                <a:spcPts val="4355"/>
-              </a:lnSpc>
-            </a:pPr>
-            <a:r>
-              <a:rPr lang="ru-RU" altLang="en-US" sz="3110">
-                <a:solidFill>
-                  <a:srgbClr val="000000"/>
-                </a:solidFill>
-                <a:latin typeface="Open Sans Light Bold" panose="020B0806030504020204"/>
-              </a:rPr>
-              <a:t>Выход из аккаунта</a:t>
-            </a:r>
-            <a:endParaRPr lang="ru-RU" altLang="en-US" sz="3110">
-              <a:solidFill>
-                <a:srgbClr val="000000"/>
-              </a:solidFill>
-              <a:latin typeface="Open Sans Light Bold" panose="020B0806030504020204"/>
-            </a:endParaRPr>
-          </a:p>
-        </p:txBody>
-      </p:sp>
-      <p:pic>
-        <p:nvPicPr>
-          <p:cNvPr id="11" name="Picture 11"/>
-          <p:cNvPicPr>
-            <a:picLocks noChangeAspect="1"/>
-          </p:cNvPicPr>
-          <p:nvPr/>
-        </p:nvPicPr>
-        <p:blipFill>
-          <a:blip r:embed="rId1">
-            <a:extLst>
-              <a:ext uri="{28A0092B-C50C-407E-A947-70E740481C1C}">
-                <a14:useLocalDpi xmlns:a14="http://schemas.microsoft.com/office/drawing/2010/main" val="0"/>
-              </a:ext>
-              <a:ext uri="{96DAC541-7B7A-43D3-8B79-37D633B846F1}">
-                <asvg:svgBlip xmlns:asvg="http://schemas.microsoft.com/office/drawing/2016/SVG/main" r:embed="rId2"/>
-              </a:ext>
-            </a:extLst>
-          </a:blip>
-          <a:srcRect/>
-          <a:stretch>
-            <a:fillRect/>
-          </a:stretch>
-        </p:blipFill>
-        <p:spPr>
-          <a:xfrm>
-            <a:off x="1752303" y="2171821"/>
-            <a:ext cx="3934778" cy="4114800"/>
-          </a:xfrm>
-          <a:prstGeom prst="rect">
-            <a:avLst/>
-          </a:prstGeom>
-        </p:spPr>
-      </p:pic>
-      <p:sp>
-        <p:nvSpPr>
-          <p:cNvPr id="12" name="TextBox 12"/>
-          <p:cNvSpPr txBox="1"/>
-          <p:nvPr/>
-        </p:nvSpPr>
-        <p:spPr>
-          <a:xfrm>
-            <a:off x="1919323" y="4246958"/>
-            <a:ext cx="3600737" cy="527253"/>
-          </a:xfrm>
-          <a:prstGeom prst="rect">
-            <a:avLst/>
-          </a:prstGeom>
-        </p:spPr>
-        <p:txBody>
-          <a:bodyPr lIns="0" tIns="0" rIns="0" bIns="0" rtlCol="0" anchor="t">
-            <a:spAutoFit/>
-          </a:bodyPr>
-          <a:lstStyle/>
-          <a:p>
-            <a:pPr algn="ctr">
-              <a:lnSpc>
-                <a:spcPts val="4355"/>
-              </a:lnSpc>
-            </a:pPr>
-            <a:r>
-              <a:rPr lang="en-US" sz="3110">
-                <a:solidFill>
-                  <a:srgbClr val="000000"/>
-                </a:solidFill>
-                <a:latin typeface="Open Sans Light Bold" panose="020B0806030504020204"/>
-              </a:rPr>
-              <a:t>Дизайн</a:t>
-            </a:r>
-            <a:endParaRPr lang="en-US" sz="3110">
-              <a:solidFill>
-                <a:srgbClr val="000000"/>
-              </a:solidFill>
-              <a:latin typeface="Open Sans Light Bold" panose="020B0806030504020204"/>
-            </a:endParaRPr>
-          </a:p>
-        </p:txBody>
-      </p:sp>
-      <p:sp>
-        <p:nvSpPr>
-          <p:cNvPr id="15" name="TextBox 10"/>
-          <p:cNvSpPr txBox="1"/>
-          <p:nvPr/>
-        </p:nvSpPr>
-        <p:spPr>
-          <a:xfrm>
-            <a:off x="6999620" y="5609659"/>
-            <a:ext cx="3600737" cy="2174649"/>
-          </a:xfrm>
-          <a:prstGeom prst="rect">
-            <a:avLst/>
-          </a:prstGeom>
-        </p:spPr>
-        <p:txBody>
-          <a:bodyPr lIns="0" tIns="0" rIns="0" bIns="0" rtlCol="0" anchor="t">
-            <a:spAutoFit/>
-          </a:bodyPr>
-          <a:p>
-            <a:pPr algn="ctr">
-              <a:lnSpc>
-                <a:spcPts val="4355"/>
-              </a:lnSpc>
-            </a:pPr>
-            <a:r>
-              <a:rPr lang="en-US" sz="3110">
-                <a:solidFill>
-                  <a:srgbClr val="000000"/>
-                </a:solidFill>
-                <a:latin typeface="Open Sans Light Bold" panose="020B0806030504020204"/>
-              </a:rPr>
-              <a:t>Рекомендации по подготовке к разным олимпиадам</a:t>
-            </a:r>
-            <a:endParaRPr lang="en-US" sz="3110">
-              <a:solidFill>
-                <a:srgbClr val="000000"/>
-              </a:solidFill>
-              <a:latin typeface="Open Sans Light Bold" panose="020B0806030504020204"/>
-            </a:endParaRPr>
-          </a:p>
-        </p:txBody>
-      </p:sp>
-    </p:spTree>
-  </p:cSld>
-  <p:clrMapOvr>
-    <a:masterClrMapping/>
-  </p:clrMapOvr>
-</p:sld>
-</file>
-
 <file path=ppt/slides/slide2.xml><?xml version="1.0" encoding="utf-8"?>
 <p:sld xmlns:a="http://schemas.openxmlformats.org/drawingml/2006/main" xmlns:r="http://schemas.openxmlformats.org/officeDocument/2006/relationships" xmlns:p="http://schemas.openxmlformats.org/presentationml/2006/main">
   <p:cSld>
@@ -5333,7 +4783,7 @@
         <p:spPr>
           <a:xfrm>
             <a:off x="4365654" y="5057775"/>
-            <a:ext cx="13427866" cy="3079116"/>
+            <a:ext cx="13427866" cy="3141980"/>
           </a:xfrm>
           <a:prstGeom prst="rect">
             <a:avLst/>
@@ -5351,7 +4801,7 @@
               </a:lnSpc>
             </a:pPr>
             <a:r>
-              <a:rPr lang="en-US" sz="4400">
+              <a:rPr lang="en-US" sz="4400" b="1">
                 <a:solidFill>
                   <a:srgbClr val="FFFFFF"/>
                 </a:solidFill>
@@ -5359,7 +4809,7 @@
               </a:rPr>
               <a:t>Продумать реализацию проекта ;</a:t>
             </a:r>
-            <a:endParaRPr lang="en-US" sz="4400">
+            <a:endParaRPr lang="en-US" sz="4400" b="1">
               <a:solidFill>
                 <a:srgbClr val="FFFFFF"/>
               </a:solidFill>
@@ -5373,7 +4823,7 @@
               </a:lnSpc>
             </a:pPr>
             <a:r>
-              <a:rPr lang="en-US" sz="4300">
+              <a:rPr lang="en-US" sz="4300" b="1">
                 <a:solidFill>
                   <a:srgbClr val="FFFFFF"/>
                 </a:solidFill>
@@ -5381,7 +4831,7 @@
               </a:rPr>
               <a:t>Понять, какие функции понадобятся пользователю;</a:t>
             </a:r>
-            <a:endParaRPr lang="en-US" sz="4300">
+            <a:endParaRPr lang="en-US" sz="4300" b="1">
               <a:solidFill>
                 <a:srgbClr val="FFFFFF"/>
               </a:solidFill>
@@ -5395,7 +4845,7 @@
               </a:lnSpc>
             </a:pPr>
             <a:r>
-              <a:rPr lang="en-US" sz="4400">
+              <a:rPr lang="en-US" sz="4400" b="1">
                 <a:solidFill>
                   <a:srgbClr val="FFFFFF"/>
                 </a:solidFill>
@@ -5403,7 +4853,7 @@
               </a:rPr>
               <a:t>Сделать понятный интерфейс;</a:t>
             </a:r>
-            <a:endParaRPr lang="en-US" sz="4400">
+            <a:endParaRPr lang="en-US" sz="4400" b="1">
               <a:solidFill>
                 <a:srgbClr val="FFFFFF"/>
               </a:solidFill>
@@ -5417,7 +4867,7 @@
               </a:lnSpc>
             </a:pPr>
             <a:r>
-              <a:rPr lang="en-US" sz="4400">
+              <a:rPr lang="en-US" sz="4400" b="1">
                 <a:solidFill>
                   <a:srgbClr val="FFFFFF"/>
                 </a:solidFill>
@@ -5425,7 +4875,7 @@
               </a:rPr>
               <a:t>Создать удобную платформу</a:t>
             </a:r>
-            <a:endParaRPr lang="en-US" sz="4400">
+            <a:endParaRPr lang="en-US" sz="4400" b="1">
               <a:solidFill>
                 <a:srgbClr val="FFFFFF"/>
               </a:solidFill>
@@ -5477,7 +4927,7 @@
         <p:spPr>
           <a:xfrm>
             <a:off x="5629971" y="2087079"/>
-            <a:ext cx="9595247" cy="2596037"/>
+            <a:ext cx="9595247" cy="2665730"/>
           </a:xfrm>
           <a:prstGeom prst="rect">
             <a:avLst/>
@@ -5495,7 +4945,7 @@
               </a:lnSpc>
             </a:pPr>
             <a:r>
-              <a:rPr lang="en-US" sz="4745">
+              <a:rPr lang="en-US" sz="4745" b="1">
                 <a:solidFill>
                   <a:srgbClr val="FFFFFF"/>
                 </a:solidFill>
@@ -5503,7 +4953,7 @@
               </a:rPr>
               <a:t>Разработать планер олимпиад,</a:t>
             </a:r>
-            <a:endParaRPr lang="en-US" sz="4745">
+            <a:endParaRPr lang="en-US" sz="4745" b="1">
               <a:solidFill>
                 <a:srgbClr val="FFFFFF"/>
               </a:solidFill>
@@ -5517,7 +4967,7 @@
               </a:lnSpc>
             </a:pPr>
             <a:r>
-              <a:rPr lang="en-US" sz="4745">
+              <a:rPr lang="en-US" sz="4745" b="1">
                 <a:solidFill>
                   <a:srgbClr val="FFFFFF"/>
                 </a:solidFill>
@@ -5525,7 +4975,7 @@
               </a:rPr>
               <a:t> который будет удобен в распределении времени</a:t>
             </a:r>
-            <a:endParaRPr lang="en-US" sz="4745">
+            <a:endParaRPr lang="en-US" sz="4745" b="1">
               <a:solidFill>
                 <a:srgbClr val="FFFFFF"/>
               </a:solidFill>
@@ -8309,7 +7759,7 @@
         </p:blipFill>
         <p:spPr>
           <a:xfrm flipH="1">
-            <a:off x="2234544" y="3938272"/>
+            <a:off x="2234544" y="4610102"/>
             <a:ext cx="4340192" cy="4529612"/>
           </a:xfrm>
           <a:prstGeom prst="rect">
